--- a/CS5800_Presentation.pptx
+++ b/CS5800_Presentation.pptx
@@ -131,6 +131,11 @@
       </a:defRPr>
     </a:lvl9pPr>
   </p:defaultTextStyle>
+  <p:extLst>
+    <p:ext uri="{EFAFB233-063F-42B5-8137-9DF3F51BA10A}">
+      <p15:sldGuideLst xmlns:p15="http://schemas.microsoft.com/office/powerpoint/2012/main"/>
+    </p:ext>
+  </p:extLst>
 </p:presentation>
 </file>
 
@@ -320,7 +325,7 @@
           <a:p>
             <a:fld id="{4AAD347D-5ACD-4C99-B74B-A9C85AD731AF}" type="datetimeFigureOut">
               <a:rPr lang="en-US" dirty="0"/>
-              <a:t>12/2/2018</a:t>
+              <a:t>12/3/18</a:t>
             </a:fld>
             <a:endParaRPr lang="en-US" dirty="0"/>
           </a:p>
@@ -590,7 +595,7 @@
           <a:p>
             <a:fld id="{4509A250-FF31-4206-8172-F9D3106AACB1}" type="datetimeFigureOut">
               <a:rPr lang="en-US" dirty="0"/>
-              <a:t>12/2/2018</a:t>
+              <a:t>12/3/18</a:t>
             </a:fld>
             <a:endParaRPr lang="en-US" dirty="0"/>
           </a:p>
@@ -779,7 +784,7 @@
           <a:p>
             <a:fld id="{4509A250-FF31-4206-8172-F9D3106AACB1}" type="datetimeFigureOut">
               <a:rPr lang="en-US" dirty="0"/>
-              <a:t>12/2/2018</a:t>
+              <a:t>12/3/18</a:t>
             </a:fld>
             <a:endParaRPr lang="en-US" dirty="0"/>
           </a:p>
@@ -1047,7 +1052,7 @@
           <a:p>
             <a:fld id="{4509A250-FF31-4206-8172-F9D3106AACB1}" type="datetimeFigureOut">
               <a:rPr lang="en-US" dirty="0"/>
-              <a:t>12/2/2018</a:t>
+              <a:t>12/3/18</a:t>
             </a:fld>
             <a:endParaRPr lang="en-US" dirty="0"/>
           </a:p>
@@ -1383,7 +1388,7 @@
           <a:p>
             <a:fld id="{4509A250-FF31-4206-8172-F9D3106AACB1}" type="datetimeFigureOut">
               <a:rPr lang="en-US" dirty="0"/>
-              <a:t>12/2/2018</a:t>
+              <a:t>12/3/18</a:t>
             </a:fld>
             <a:endParaRPr lang="en-US" dirty="0"/>
           </a:p>
@@ -2001,7 +2006,7 @@
           <a:p>
             <a:fld id="{4509A250-FF31-4206-8172-F9D3106AACB1}" type="datetimeFigureOut">
               <a:rPr lang="en-US" dirty="0"/>
-              <a:t>12/2/2018</a:t>
+              <a:t>12/3/18</a:t>
             </a:fld>
             <a:endParaRPr lang="en-US" dirty="0"/>
           </a:p>
@@ -2856,7 +2861,7 @@
           <a:p>
             <a:fld id="{4509A250-FF31-4206-8172-F9D3106AACB1}" type="datetimeFigureOut">
               <a:rPr lang="en-US" dirty="0"/>
-              <a:t>12/2/2018</a:t>
+              <a:t>12/3/18</a:t>
             </a:fld>
             <a:endParaRPr lang="en-US" dirty="0"/>
           </a:p>
@@ -3021,7 +3026,7 @@
           <a:p>
             <a:fld id="{4509A250-FF31-4206-8172-F9D3106AACB1}" type="datetimeFigureOut">
               <a:rPr lang="en-US" dirty="0"/>
-              <a:t>12/2/2018</a:t>
+              <a:t>12/3/18</a:t>
             </a:fld>
             <a:endParaRPr lang="en-US" dirty="0"/>
           </a:p>
@@ -3196,7 +3201,7 @@
           <a:p>
             <a:fld id="{4509A250-FF31-4206-8172-F9D3106AACB1}" type="datetimeFigureOut">
               <a:rPr lang="en-US" dirty="0"/>
-              <a:t>12/2/2018</a:t>
+              <a:t>12/3/18</a:t>
             </a:fld>
             <a:endParaRPr lang="en-US" dirty="0"/>
           </a:p>
@@ -3361,7 +3366,7 @@
           <a:p>
             <a:fld id="{4509A250-FF31-4206-8172-F9D3106AACB1}" type="datetimeFigureOut">
               <a:rPr lang="en-US" dirty="0"/>
-              <a:t>12/2/2018</a:t>
+              <a:t>12/3/18</a:t>
             </a:fld>
             <a:endParaRPr lang="en-US" dirty="0"/>
           </a:p>
@@ -3603,7 +3608,7 @@
           <a:p>
             <a:fld id="{9796027F-7875-4030-9381-8BD8C4F21935}" type="datetimeFigureOut">
               <a:rPr lang="en-US" dirty="0"/>
-              <a:t>12/2/2018</a:t>
+              <a:t>12/3/18</a:t>
             </a:fld>
             <a:endParaRPr lang="en-US" dirty="0"/>
           </a:p>
@@ -3890,7 +3895,7 @@
           <a:p>
             <a:fld id="{9796027F-7875-4030-9381-8BD8C4F21935}" type="datetimeFigureOut">
               <a:rPr lang="en-US" dirty="0"/>
-              <a:t>12/2/2018</a:t>
+              <a:t>12/3/18</a:t>
             </a:fld>
             <a:endParaRPr lang="en-US" dirty="0"/>
           </a:p>
@@ -4329,7 +4334,7 @@
           <a:p>
             <a:fld id="{9796027F-7875-4030-9381-8BD8C4F21935}" type="datetimeFigureOut">
               <a:rPr lang="en-US" dirty="0"/>
-              <a:t>12/2/2018</a:t>
+              <a:t>12/3/18</a:t>
             </a:fld>
             <a:endParaRPr lang="en-US" dirty="0"/>
           </a:p>
@@ -4442,7 +4447,7 @@
           <a:p>
             <a:fld id="{4509A250-FF31-4206-8172-F9D3106AACB1}" type="datetimeFigureOut">
               <a:rPr lang="en-US" dirty="0"/>
-              <a:t>12/2/2018</a:t>
+              <a:t>12/3/18</a:t>
             </a:fld>
             <a:endParaRPr lang="en-US" dirty="0"/>
           </a:p>
@@ -4532,7 +4537,7 @@
           <a:p>
             <a:fld id="{4509A250-FF31-4206-8172-F9D3106AACB1}" type="datetimeFigureOut">
               <a:rPr lang="en-US" dirty="0"/>
-              <a:t>12/2/2018</a:t>
+              <a:t>12/3/18</a:t>
             </a:fld>
             <a:endParaRPr lang="en-US" dirty="0"/>
           </a:p>
@@ -4806,7 +4811,7 @@
           <a:p>
             <a:fld id="{4509A250-FF31-4206-8172-F9D3106AACB1}" type="datetimeFigureOut">
               <a:rPr lang="en-US" dirty="0"/>
-              <a:t>12/2/2018</a:t>
+              <a:t>12/3/18</a:t>
             </a:fld>
             <a:endParaRPr lang="en-US" dirty="0"/>
           </a:p>
@@ -5076,7 +5081,7 @@
           <a:p>
             <a:fld id="{4509A250-FF31-4206-8172-F9D3106AACB1}" type="datetimeFigureOut">
               <a:rPr lang="en-US" dirty="0"/>
-              <a:t>12/2/2018</a:t>
+              <a:t>12/3/18</a:t>
             </a:fld>
             <a:endParaRPr lang="en-US" dirty="0"/>
           </a:p>
@@ -5500,7 +5505,7 @@
           <a:p>
             <a:fld id="{4AAD347D-5ACD-4C99-B74B-A9C85AD731AF}" type="datetimeFigureOut">
               <a:rPr lang="en-US" dirty="0"/>
-              <a:t>12/2/2018</a:t>
+              <a:t>12/3/18</a:t>
             </a:fld>
             <a:endParaRPr lang="en-US" dirty="0"/>
           </a:p>
@@ -9323,8 +9328,13 @@
           <a:p>
             <a:r>
               <a:rPr lang="en-US" dirty="0"/>
-              <a:t>Define rules to handle the derivation of polynomials</a:t>
-            </a:r>
+              <a:t>Define rules to handle the derivation of polynomials </a:t>
+            </a:r>
+            <a:r>
+              <a:rPr lang="en-US"/>
+              <a:t>and functions</a:t>
+            </a:r>
+            <a:endParaRPr lang="en-US" dirty="0"/>
           </a:p>
           <a:p>
             <a:pPr lvl="1"/>
